--- a/Slides/Lecture05 - Dependency Injection, Testing Entity Framework.pptx
+++ b/Slides/Lecture05 - Dependency Injection, Testing Entity Framework.pptx
@@ -378,7 +378,7 @@
               <a:rPr lang="en-US" smtClean="0">
                 <a:latin typeface="Segoe UI" pitchFamily="34" charset="0"/>
               </a:rPr>
-              <a:t>9/27/2018</a:t>
+              <a:t>11/14/2018</a:t>
             </a:fld>
             <a:endParaRPr lang="en-US" dirty="0">
               <a:latin typeface="Segoe UI" pitchFamily="34" charset="0"/>
@@ -701,7 +701,7 @@
             <a:fld id="{D51B1278-D92B-4AF3-A9C1-71DD298190CE}" type="datetimeFigureOut">
               <a:rPr lang="en-US" smtClean="0"/>
               <a:pPr/>
-              <a:t>9/27/2018</a:t>
+              <a:t>11/14/2018</a:t>
             </a:fld>
             <a:endParaRPr lang="en-US" dirty="0"/>
           </a:p>
@@ -4631,8 +4631,12 @@
               <a:buNone/>
             </a:pPr>
             <a:r>
+              <a:rPr lang="en-US"/>
+              <a:t>Associate </a:t>
+            </a:r>
+            <a:r>
               <a:rPr lang="en-US" dirty="0"/>
-              <a:t>External Associate Professor</a:t>
+              <a:t>Professor</a:t>
             </a:r>
           </a:p>
           <a:p>
@@ -16201,6 +16205,15 @@
 </file>
 
 <file path=customXml/item1.xml><?xml version="1.0" encoding="utf-8"?>
+<?mso-contentType ?>
+<FormTemplates xmlns="http://schemas.microsoft.com/sharepoint/v3/contenttype/forms">
+  <Display>DocumentLibraryForm</Display>
+  <Edit>DocumentLibraryForm</Edit>
+  <New>DocumentLibraryForm</New>
+</FormTemplates>
+</file>
+
+<file path=customXml/item2.xml><?xml version="1.0" encoding="utf-8"?>
 <ct:contentTypeSchema xmlns:ct="http://schemas.microsoft.com/office/2006/metadata/contentType" xmlns:ma="http://schemas.microsoft.com/office/2006/metadata/properties/metaAttributes" ct:_="" ma:_="" ma:contentTypeName="PresentationsDoc" ma:contentTypeID="0x010100B88FC3ECA26D1C46B3C4C83281D2EB9C003BBE479AF4108146A616B6B5E7069DBC" ma:contentTypeVersion="61" ma:contentTypeDescription="" ma:contentTypeScope="" ma:versionID="72533711bacf991a4680f48ae6b725f9">
   <xsd:schema xmlns:xsd="http://www.w3.org/2001/XMLSchema" xmlns:xs="http://www.w3.org/2001/XMLSchema" xmlns:p="http://schemas.microsoft.com/office/2006/metadata/properties" xmlns:ns2="2295e2e7-0eeb-498e-8716-217bb2ee6ee3" xmlns:ns3="8b529f77-48ab-4581-b468-93f09345b8aa" targetNamespace="http://schemas.microsoft.com/office/2006/metadata/properties" ma:root="true" ma:fieldsID="dde17010d50e6e632f300eac8dfd378e" ns2:_="" ns3:_="">
     <xsd:import namespace="2295e2e7-0eeb-498e-8716-217bb2ee6ee3"/>
@@ -16479,15 +16492,6 @@
 </ct:contentTypeSchema>
 </file>
 
-<file path=customXml/item2.xml><?xml version="1.0" encoding="utf-8"?>
-<?mso-contentType ?>
-<FormTemplates xmlns="http://schemas.microsoft.com/sharepoint/v3/contenttype/forms">
-  <Display>DocumentLibraryForm</Display>
-  <Edit>DocumentLibraryForm</Edit>
-  <New>DocumentLibraryForm</New>
-</FormTemplates>
-</file>
-
 <file path=customXml/item3.xml><?xml version="1.0" encoding="utf-8"?>
 <p:properties xmlns:p="http://schemas.microsoft.com/office/2006/metadata/properties" xmlns:xsi="http://www.w3.org/2001/XMLSchema-instance" xmlns:pc="http://schemas.microsoft.com/office/infopath/2007/PartnerControls">
   <documentManagement>
@@ -16544,6 +16548,14 @@
 </file>
 
 <file path=customXml/itemProps1.xml><?xml version="1.0" encoding="utf-8"?>
+<ds:datastoreItem xmlns:ds="http://schemas.openxmlformats.org/officeDocument/2006/customXml" ds:itemID="{758FDAC0-319D-4A54-8D8E-1D42CB1F8004}">
+  <ds:schemaRefs>
+    <ds:schemaRef ds:uri="http://schemas.microsoft.com/sharepoint/v3/contenttype/forms"/>
+  </ds:schemaRefs>
+</ds:datastoreItem>
+</file>
+
+<file path=customXml/itemProps2.xml><?xml version="1.0" encoding="utf-8"?>
 <ds:datastoreItem xmlns:ds="http://schemas.openxmlformats.org/officeDocument/2006/customXml" ds:itemID="{A4A71FB1-3FB8-468F-9C64-2246CB74C7D9}">
   <ds:schemaRefs>
     <ds:schemaRef ds:uri="http://schemas.microsoft.com/office/2006/metadata/contentType"/>
@@ -16558,14 +16570,6 @@
     <ds:schemaRef ds:uri="http://purl.org/dc/elements/1.1/"/>
     <ds:schemaRef ds:uri="http://purl.org/dc/terms/"/>
     <ds:schemaRef ds:uri="http://schemas.microsoft.com/internal/obd"/>
-  </ds:schemaRefs>
-</ds:datastoreItem>
-</file>
-
-<file path=customXml/itemProps2.xml><?xml version="1.0" encoding="utf-8"?>
-<ds:datastoreItem xmlns:ds="http://schemas.openxmlformats.org/officeDocument/2006/customXml" ds:itemID="{758FDAC0-319D-4A54-8D8E-1D42CB1F8004}">
-  <ds:schemaRefs>
-    <ds:schemaRef ds:uri="http://schemas.microsoft.com/sharepoint/v3/contenttype/forms"/>
   </ds:schemaRefs>
 </ds:datastoreItem>
 </file>
